--- a/presentation.pptx
+++ b/presentation.pptx
@@ -16,11 +16,12 @@
     <p:sldId id="270" r:id="rId10"/>
     <p:sldId id="260" r:id="rId11"/>
     <p:sldId id="267" r:id="rId12"/>
-    <p:sldId id="266" r:id="rId13"/>
-    <p:sldId id="261" r:id="rId14"/>
-    <p:sldId id="262" r:id="rId15"/>
-    <p:sldId id="271" r:id="rId16"/>
-    <p:sldId id="263" r:id="rId17"/>
+    <p:sldId id="272" r:id="rId13"/>
+    <p:sldId id="266" r:id="rId14"/>
+    <p:sldId id="261" r:id="rId15"/>
+    <p:sldId id="262" r:id="rId16"/>
+    <p:sldId id="271" r:id="rId17"/>
+    <p:sldId id="263" r:id="rId18"/>
   </p:sldIdLst>
   <p:sldSz cx="9144000" cy="6858000" type="screen4x3"/>
   <p:notesSz cx="6858000" cy="9144000"/>
@@ -4000,7 +4001,7 @@
         <p:spPr/>
         <p:txBody>
           <a:bodyPr>
-            <a:normAutofit lnSpcReduction="10000"/>
+            <a:normAutofit fontScale="92500" lnSpcReduction="10000"/>
           </a:bodyPr>
           <a:lstStyle/>
           <a:p>
@@ -4011,7 +4012,55 @@
             </a:pPr>
             <a:r>
               <a:rPr lang="en-US" b="1" dirty="0"/>
-              <a:t>Classification Metrics: </a:t>
+              <a:t>1. Logistic Model with Tuned Hyperparameters: Metrics Used: </a:t>
+            </a:r>
+          </a:p>
+          <a:p>
+            <a:pPr lvl="1">
+              <a:lnSpc>
+                <a:spcPct val="100000"/>
+              </a:lnSpc>
+            </a:pPr>
+            <a:r>
+              <a:rPr lang="en-US" dirty="0"/>
+              <a:t>Accuracy: 0.85</a:t>
+            </a:r>
+          </a:p>
+          <a:p>
+            <a:pPr lvl="1">
+              <a:lnSpc>
+                <a:spcPct val="100000"/>
+              </a:lnSpc>
+            </a:pPr>
+            <a:r>
+              <a:rPr lang="en-US" dirty="0"/>
+              <a:t>Precision: 0.42</a:t>
+            </a:r>
+          </a:p>
+          <a:p>
+            <a:pPr lvl="1">
+              <a:lnSpc>
+                <a:spcPct val="100000"/>
+              </a:lnSpc>
+            </a:pPr>
+            <a:r>
+              <a:rPr lang="en-US" dirty="0" err="1"/>
+              <a:t>F1</a:t>
+            </a:r>
+            <a:r>
+              <a:rPr lang="en-US" dirty="0"/>
+              <a:t> Score: 0.57</a:t>
+            </a:r>
+          </a:p>
+          <a:p>
+            <a:pPr lvl="1">
+              <a:lnSpc>
+                <a:spcPct val="100000"/>
+              </a:lnSpc>
+            </a:pPr>
+            <a:r>
+              <a:rPr lang="en-US" dirty="0"/>
+              <a:t>Recall: 0.92</a:t>
             </a:r>
           </a:p>
           <a:p>
@@ -4022,66 +4071,7 @@
             </a:pPr>
             <a:r>
               <a:rPr lang="en-US" b="1" dirty="0"/>
-              <a:t>1. Logistic Model with Tuned Hyperparameters</a:t>
-            </a:r>
-          </a:p>
-          <a:p>
-            <a:pPr lvl="1">
-              <a:lnSpc>
-                <a:spcPct val="100000"/>
-              </a:lnSpc>
-            </a:pPr>
-            <a:r>
-              <a:rPr lang="en-US" dirty="0"/>
-              <a:t>Accuracy: 0.85</a:t>
-            </a:r>
-          </a:p>
-          <a:p>
-            <a:pPr lvl="1">
-              <a:lnSpc>
-                <a:spcPct val="100000"/>
-              </a:lnSpc>
-            </a:pPr>
-            <a:r>
-              <a:rPr lang="en-US" dirty="0"/>
-              <a:t>Precision: 0.42</a:t>
-            </a:r>
-          </a:p>
-          <a:p>
-            <a:pPr lvl="1">
-              <a:lnSpc>
-                <a:spcPct val="100000"/>
-              </a:lnSpc>
-            </a:pPr>
-            <a:r>
-              <a:rPr lang="en-US" dirty="0" err="1"/>
-              <a:t>F1</a:t>
-            </a:r>
-            <a:r>
-              <a:rPr lang="en-US" dirty="0"/>
-              <a:t> Score: 0.57</a:t>
-            </a:r>
-          </a:p>
-          <a:p>
-            <a:pPr lvl="1">
-              <a:lnSpc>
-                <a:spcPct val="100000"/>
-              </a:lnSpc>
-            </a:pPr>
-            <a:r>
-              <a:rPr lang="en-US" dirty="0"/>
-              <a:t>Recall: 0.92</a:t>
-            </a:r>
-          </a:p>
-          <a:p>
-            <a:pPr>
-              <a:lnSpc>
-                <a:spcPct val="100000"/>
-              </a:lnSpc>
-            </a:pPr>
-            <a:r>
-              <a:rPr lang="en-US" b="1" dirty="0"/>
-              <a:t>2. Decision Tree with Tuned Hyperparameters</a:t>
+              <a:t>2. Decision Tree with Tuned Hyperparameters: Metrics Used: </a:t>
             </a:r>
           </a:p>
           <a:p>
@@ -4241,8 +4231,8 @@
           <a:lstStyle/>
           <a:p>
             <a:r>
-              <a:rPr lang="en-US" b="1" dirty="0"/>
-              <a:t>3. Random Forest</a:t>
+              <a:rPr lang="en-US" sz="1900" b="1" dirty="0"/>
+              <a:t>3. Random Forest: Metrics Used: </a:t>
             </a:r>
           </a:p>
           <a:p>
@@ -4375,6 +4365,261 @@
           <p:cNvPr id="2" name="Title 1">
             <a:extLst>
               <a:ext uri="{FF2B5EF4-FFF2-40B4-BE49-F238E27FC236}">
+                <a16:creationId xmlns:a16="http://schemas.microsoft.com/office/drawing/2014/main" id="{C19174E8-EF61-4DEF-81DA-FA493BA77E52}"/>
+              </a:ext>
+            </a:extLst>
+          </p:cNvPr>
+          <p:cNvSpPr>
+            <a:spLocks noGrp="1"/>
+          </p:cNvSpPr>
+          <p:nvPr>
+            <p:ph type="title"/>
+          </p:nvPr>
+        </p:nvSpPr>
+        <p:spPr>
+          <a:xfrm>
+            <a:off x="822960" y="286605"/>
+            <a:ext cx="7543800" cy="1274910"/>
+          </a:xfrm>
+        </p:spPr>
+        <p:txBody>
+          <a:bodyPr/>
+          <a:lstStyle/>
+          <a:p>
+            <a:pPr algn="ctr"/>
+            <a:r>
+              <a:rPr lang="en-US" b="1" dirty="0"/>
+              <a:t>Evaluation</a:t>
+            </a:r>
+          </a:p>
+        </p:txBody>
+      </p:sp>
+      <p:sp>
+        <p:nvSpPr>
+          <p:cNvPr id="5" name="Rectangle 2">
+            <a:extLst>
+              <a:ext uri="{FF2B5EF4-FFF2-40B4-BE49-F238E27FC236}">
+                <a16:creationId xmlns:a16="http://schemas.microsoft.com/office/drawing/2014/main" id="{C6123810-CCDB-44B2-A8FE-C75C0263C8CC}"/>
+              </a:ext>
+            </a:extLst>
+          </p:cNvPr>
+          <p:cNvSpPr>
+            <a:spLocks noGrp="1" noChangeArrowheads="1"/>
+          </p:cNvSpPr>
+          <p:nvPr>
+            <p:ph idx="1"/>
+          </p:nvPr>
+        </p:nvSpPr>
+        <p:spPr bwMode="auto">
+          <a:xfrm>
+            <a:off x="822960" y="1919978"/>
+            <a:ext cx="7543800" cy="3777701"/>
+          </a:xfrm>
+          <a:prstGeom prst="rect">
+            <a:avLst/>
+          </a:prstGeom>
+          <a:noFill/>
+          <a:ln>
+            <a:noFill/>
+          </a:ln>
+          <a:effectLst/>
+          <a:extLst>
+            <a:ext uri="{909E8E84-426E-40DD-AFC4-6F175D3DCCD1}">
+              <a14:hiddenFill xmlns:a14="http://schemas.microsoft.com/office/drawing/2010/main">
+                <a:solidFill>
+                  <a:schemeClr val="accent1"/>
+                </a:solidFill>
+              </a14:hiddenFill>
+            </a:ext>
+            <a:ext uri="{91240B29-F687-4F45-9708-019B960494DF}">
+              <a14:hiddenLine xmlns:a14="http://schemas.microsoft.com/office/drawing/2010/main" w="9525">
+                <a:solidFill>
+                  <a:schemeClr val="tx1"/>
+                </a:solidFill>
+                <a:miter lim="800000"/>
+                <a:headEnd/>
+                <a:tailEnd/>
+              </a14:hiddenLine>
+            </a:ext>
+            <a:ext uri="{AF507438-7753-43E0-B8FC-AC1667EBCBE1}">
+              <a14:hiddenEffects xmlns:a14="http://schemas.microsoft.com/office/drawing/2010/main">
+                <a:effectLst>
+                  <a:outerShdw dist="35921" dir="2700000" algn="ctr" rotWithShape="0">
+                    <a:schemeClr val="bg2"/>
+                  </a:outerShdw>
+                </a:effectLst>
+              </a14:hiddenEffects>
+            </a:ext>
+          </a:extLst>
+        </p:spPr>
+        <p:txBody>
+          <a:bodyPr vert="horz" wrap="square" lIns="91440" tIns="45720" rIns="91440" bIns="45720" numCol="1" anchor="ctr" anchorCtr="0" compatLnSpc="1">
+            <a:prstTxWarp prst="textNoShape">
+              <a:avLst/>
+            </a:prstTxWarp>
+            <a:spAutoFit/>
+          </a:bodyPr>
+          <a:lstStyle/>
+          <a:p>
+            <a:pPr eaLnBrk="0" fontAlgn="base" hangingPunct="0">
+              <a:lnSpc>
+                <a:spcPct val="150000"/>
+              </a:lnSpc>
+              <a:spcBef>
+                <a:spcPct val="0"/>
+              </a:spcBef>
+              <a:spcAft>
+                <a:spcPct val="0"/>
+              </a:spcAft>
+              <a:buClrTx/>
+              <a:buSzTx/>
+              <a:buFont typeface="Wingdings" panose="05000000000000000000" pitchFamily="2" charset="2"/>
+              <a:buChar char="v"/>
+            </a:pPr>
+            <a:r>
+              <a:rPr kumimoji="0" lang="en-US" altLang="en-US" sz="1800" b="1" i="0" u="none" strike="noStrike" cap="none" normalizeH="0" baseline="0" dirty="0">
+                <a:ln>
+                  <a:noFill/>
+                </a:ln>
+                <a:solidFill>
+                  <a:schemeClr val="tx1"/>
+                </a:solidFill>
+                <a:effectLst/>
+              </a:rPr>
+              <a:t>Random Forest</a:t>
+            </a:r>
+            <a:r>
+              <a:rPr kumimoji="0" lang="en-US" altLang="en-US" sz="1800" b="0" i="0" u="none" strike="noStrike" cap="none" normalizeH="0" baseline="0" dirty="0">
+                <a:ln>
+                  <a:noFill/>
+                </a:ln>
+                <a:solidFill>
+                  <a:schemeClr val="tx1"/>
+                </a:solidFill>
+                <a:effectLst/>
+              </a:rPr>
+              <a:t> emerged as the strongest model in predictive performance and robustness, making it the best candidate for arrest prediction.</a:t>
+            </a:r>
+          </a:p>
+          <a:p>
+            <a:pPr eaLnBrk="0" fontAlgn="base" hangingPunct="0">
+              <a:lnSpc>
+                <a:spcPct val="150000"/>
+              </a:lnSpc>
+              <a:spcBef>
+                <a:spcPct val="0"/>
+              </a:spcBef>
+              <a:spcAft>
+                <a:spcPct val="0"/>
+              </a:spcAft>
+              <a:buClrTx/>
+              <a:buSzTx/>
+              <a:buFont typeface="Wingdings" panose="05000000000000000000" pitchFamily="2" charset="2"/>
+              <a:buChar char="v"/>
+            </a:pPr>
+            <a:r>
+              <a:rPr kumimoji="0" lang="en-US" altLang="en-US" sz="1800" b="1" i="0" u="none" strike="noStrike" cap="none" normalizeH="0" baseline="0" dirty="0">
+                <a:ln>
+                  <a:noFill/>
+                </a:ln>
+                <a:solidFill>
+                  <a:schemeClr val="tx1"/>
+                </a:solidFill>
+                <a:effectLst/>
+              </a:rPr>
+              <a:t>Logistic Regression</a:t>
+            </a:r>
+            <a:r>
+              <a:rPr kumimoji="0" lang="en-US" altLang="en-US" sz="1800" b="0" i="0" u="none" strike="noStrike" cap="none" normalizeH="0" baseline="0" dirty="0">
+                <a:ln>
+                  <a:noFill/>
+                </a:ln>
+                <a:solidFill>
+                  <a:schemeClr val="tx1"/>
+                </a:solidFill>
+                <a:effectLst/>
+              </a:rPr>
+              <a:t> offered high interpretability and strong results, making it a valuable model for understanding key drivers of arrest decisions, especially for transparency and fairness assessments.</a:t>
+            </a:r>
+          </a:p>
+          <a:p>
+            <a:pPr eaLnBrk="0" fontAlgn="base" hangingPunct="0">
+              <a:lnSpc>
+                <a:spcPct val="150000"/>
+              </a:lnSpc>
+              <a:spcBef>
+                <a:spcPct val="0"/>
+              </a:spcBef>
+              <a:spcAft>
+                <a:spcPct val="0"/>
+              </a:spcAft>
+              <a:buClrTx/>
+              <a:buSzTx/>
+              <a:buFont typeface="Wingdings" panose="05000000000000000000" pitchFamily="2" charset="2"/>
+              <a:buChar char="v"/>
+            </a:pPr>
+            <a:r>
+              <a:rPr kumimoji="0" lang="en-US" altLang="en-US" sz="1800" b="1" i="0" u="none" strike="noStrike" cap="none" normalizeH="0" baseline="0" dirty="0">
+                <a:ln>
+                  <a:noFill/>
+                </a:ln>
+                <a:solidFill>
+                  <a:schemeClr val="tx1"/>
+                </a:solidFill>
+                <a:effectLst/>
+              </a:rPr>
+              <a:t>Decision Trees</a:t>
+            </a:r>
+            <a:r>
+              <a:rPr kumimoji="0" lang="en-US" altLang="en-US" sz="1800" b="0" i="0" u="none" strike="noStrike" cap="none" normalizeH="0" baseline="0" dirty="0">
+                <a:ln>
+                  <a:noFill/>
+                </a:ln>
+                <a:solidFill>
+                  <a:schemeClr val="tx1"/>
+                </a:solidFill>
+                <a:effectLst/>
+              </a:rPr>
+              <a:t> provided visual clarity and interpretability but did not match the performance of the other two.</a:t>
+            </a:r>
+          </a:p>
+        </p:txBody>
+      </p:sp>
+    </p:spTree>
+    <p:extLst>
+      <p:ext uri="{BB962C8B-B14F-4D97-AF65-F5344CB8AC3E}">
+        <p14:creationId xmlns:p14="http://schemas.microsoft.com/office/powerpoint/2010/main" val="433548552"/>
+      </p:ext>
+    </p:extLst>
+  </p:cSld>
+  <p:clrMapOvr>
+    <a:masterClrMapping/>
+  </p:clrMapOvr>
+</p:sld>
+</file>
+
+<file path=ppt/slides/slide13.xml><?xml version="1.0" encoding="utf-8"?>
+<p:sld xmlns:a="http://schemas.openxmlformats.org/drawingml/2006/main" xmlns:r="http://schemas.openxmlformats.org/officeDocument/2006/relationships" xmlns:p="http://schemas.openxmlformats.org/presentationml/2006/main">
+  <p:cSld>
+    <p:spTree>
+      <p:nvGrpSpPr>
+        <p:cNvPr id="1" name=""/>
+        <p:cNvGrpSpPr/>
+        <p:nvPr/>
+      </p:nvGrpSpPr>
+      <p:grpSpPr>
+        <a:xfrm>
+          <a:off x="0" y="0"/>
+          <a:ext cx="0" cy="0"/>
+          <a:chOff x="0" y="0"/>
+          <a:chExt cx="0" cy="0"/>
+        </a:xfrm>
+      </p:grpSpPr>
+      <p:sp>
+        <p:nvSpPr>
+          <p:cNvPr id="2" name="Title 1">
+            <a:extLst>
+              <a:ext uri="{FF2B5EF4-FFF2-40B4-BE49-F238E27FC236}">
                 <a16:creationId xmlns:a16="http://schemas.microsoft.com/office/drawing/2014/main" id="{B09F245B-25F6-4B11-9393-98F25635AEA9}"/>
               </a:ext>
             </a:extLst>
@@ -4388,8 +4633,8 @@
         </p:nvSpPr>
         <p:spPr>
           <a:xfrm>
-            <a:off x="822960" y="989012"/>
-            <a:ext cx="7543800" cy="748349"/>
+            <a:off x="822960" y="457200"/>
+            <a:ext cx="7543800" cy="1280161"/>
           </a:xfrm>
         </p:spPr>
         <p:txBody>
@@ -4401,7 +4646,7 @@
             <a:pPr algn="ctr"/>
             <a:r>
               <a:rPr lang="en-US" b="1" dirty="0"/>
-              <a:t>ROC Curve Comparison</a:t>
+              <a:t>ROC Curve Comparison Plot</a:t>
             </a:r>
           </a:p>
         </p:txBody>
@@ -4454,8 +4699,8 @@
         </p:nvSpPr>
         <p:spPr>
           <a:xfrm>
-            <a:off x="1222636" y="5338443"/>
-            <a:ext cx="7144124" cy="910001"/>
+            <a:off x="970671" y="5338443"/>
+            <a:ext cx="7396089" cy="1062357"/>
           </a:xfrm>
           <a:prstGeom prst="rect">
             <a:avLst/>
@@ -4463,7 +4708,7 @@
         </p:spPr>
         <p:txBody>
           <a:bodyPr vert="horz" lIns="0" tIns="45720" rIns="0" bIns="45720" rtlCol="0">
-            <a:normAutofit fontScale="92500" lnSpcReduction="10000"/>
+            <a:normAutofit/>
           </a:bodyPr>
           <a:lstStyle>
             <a:lvl1pPr marL="91440" indent="-91440" algn="l" defTabSz="914400" rtl="0" eaLnBrk="1" latinLnBrk="0" hangingPunct="1">
@@ -4767,128 +5012,6 @@
 </p:sld>
 </file>
 
-<file path=ppt/slides/slide13.xml><?xml version="1.0" encoding="utf-8"?>
-<p:sld xmlns:a="http://schemas.openxmlformats.org/drawingml/2006/main" xmlns:r="http://schemas.openxmlformats.org/officeDocument/2006/relationships" xmlns:p="http://schemas.openxmlformats.org/presentationml/2006/main">
-  <p:cSld>
-    <p:spTree>
-      <p:nvGrpSpPr>
-        <p:cNvPr id="1" name=""/>
-        <p:cNvGrpSpPr/>
-        <p:nvPr/>
-      </p:nvGrpSpPr>
-      <p:grpSpPr>
-        <a:xfrm>
-          <a:off x="0" y="0"/>
-          <a:ext cx="0" cy="0"/>
-          <a:chOff x="0" y="0"/>
-          <a:chExt cx="0" cy="0"/>
-        </a:xfrm>
-      </p:grpSpPr>
-      <p:sp>
-        <p:nvSpPr>
-          <p:cNvPr id="2" name="Title 1"/>
-          <p:cNvSpPr>
-            <a:spLocks noGrp="1"/>
-          </p:cNvSpPr>
-          <p:nvPr>
-            <p:ph type="title"/>
-          </p:nvPr>
-        </p:nvSpPr>
-        <p:spPr>
-          <a:xfrm>
-            <a:off x="872197" y="764373"/>
-            <a:ext cx="7677443" cy="962827"/>
-          </a:xfrm>
-        </p:spPr>
-        <p:txBody>
-          <a:bodyPr/>
-          <a:lstStyle/>
-          <a:p>
-            <a:pPr algn="ctr"/>
-            <a:r>
-              <a:rPr b="1" dirty="0"/>
-              <a:t>Recommendations</a:t>
-            </a:r>
-          </a:p>
-        </p:txBody>
-      </p:sp>
-      <p:sp>
-        <p:nvSpPr>
-          <p:cNvPr id="3" name="Content Placeholder 2"/>
-          <p:cNvSpPr>
-            <a:spLocks noGrp="1"/>
-          </p:cNvSpPr>
-          <p:nvPr>
-            <p:ph idx="1"/>
-          </p:nvPr>
-        </p:nvSpPr>
-        <p:spPr>
-          <a:xfrm>
-            <a:off x="822959" y="2019906"/>
-            <a:ext cx="7543801" cy="3510037"/>
-          </a:xfrm>
-        </p:spPr>
-        <p:txBody>
-          <a:bodyPr>
-            <a:normAutofit/>
-          </a:bodyPr>
-          <a:lstStyle/>
-          <a:p>
-            <a:pPr>
-              <a:lnSpc>
-                <a:spcPct val="100000"/>
-              </a:lnSpc>
-            </a:pPr>
-            <a:r>
-              <a:rPr sz="1800" dirty="0"/>
-              <a:t>1. </a:t>
-            </a:r>
-            <a:r>
-              <a:rPr lang="en-US" sz="1800" dirty="0"/>
-              <a:t>Use model predictions to flag high-risk Terry Stops for internal review, especially where subject race and officer characteristics intersect.</a:t>
-            </a:r>
-          </a:p>
-          <a:p>
-            <a:pPr>
-              <a:lnSpc>
-                <a:spcPct val="100000"/>
-              </a:lnSpc>
-            </a:pPr>
-            <a:r>
-              <a:rPr sz="1800" dirty="0"/>
-              <a:t>2. </a:t>
-            </a:r>
-            <a:r>
-              <a:rPr lang="en-US" sz="1800" dirty="0"/>
-              <a:t>Train officers to better assess ‘reasonable suspicion’ based on features the model finds less predictive, like “Final Call Type” or “Sector.”</a:t>
-            </a:r>
-          </a:p>
-          <a:p>
-            <a:pPr>
-              <a:lnSpc>
-                <a:spcPct val="100000"/>
-              </a:lnSpc>
-            </a:pPr>
-            <a:r>
-              <a:rPr sz="1800" dirty="0"/>
-              <a:t>3. Engage communities using data-driven transparency.</a:t>
-            </a:r>
-            <a:r>
-              <a:rPr lang="en-US" sz="1800" dirty="0"/>
-              <a:t> Deploy the model in supervisory dashboards to monitor arrest likelihoods in real time and intervene when thresholds are exceeded.</a:t>
-            </a:r>
-            <a:endParaRPr sz="1800" dirty="0"/>
-          </a:p>
-        </p:txBody>
-      </p:sp>
-    </p:spTree>
-  </p:cSld>
-  <p:clrMapOvr>
-    <a:masterClrMapping/>
-  </p:clrMapOvr>
-</p:sld>
-</file>
-
 <file path=ppt/slides/slide14.xml><?xml version="1.0" encoding="utf-8"?>
 <p:sld xmlns:a="http://schemas.openxmlformats.org/drawingml/2006/main" xmlns:r="http://schemas.openxmlformats.org/officeDocument/2006/relationships" xmlns:p="http://schemas.openxmlformats.org/presentationml/2006/main">
   <p:cSld>
@@ -4918,8 +5041,8 @@
         </p:nvSpPr>
         <p:spPr>
           <a:xfrm>
-            <a:off x="703385" y="764373"/>
-            <a:ext cx="7846255" cy="861227"/>
+            <a:off x="872197" y="764373"/>
+            <a:ext cx="7677443" cy="962827"/>
           </a:xfrm>
         </p:spPr>
         <p:txBody>
@@ -4929,7 +5052,7 @@
             <a:pPr algn="ctr"/>
             <a:r>
               <a:rPr b="1" dirty="0"/>
-              <a:t>Next Steps</a:t>
+              <a:t>Recommendations</a:t>
             </a:r>
           </a:p>
         </p:txBody>
@@ -4946,8 +5069,8 @@
         </p:nvSpPr>
         <p:spPr>
           <a:xfrm>
-            <a:off x="822959" y="2092476"/>
-            <a:ext cx="7543801" cy="3225111"/>
+            <a:off x="822959" y="2019906"/>
+            <a:ext cx="7543801" cy="3510037"/>
           </a:xfrm>
         </p:spPr>
         <p:txBody>
@@ -4957,72 +5080,49 @@
           <a:lstStyle/>
           <a:p>
             <a:pPr>
-              <a:buFont typeface="Wingdings" panose="05000000000000000000" pitchFamily="2" charset="2"/>
-              <a:buChar char="Ø"/>
+              <a:lnSpc>
+                <a:spcPct val="100000"/>
+              </a:lnSpc>
             </a:pPr>
             <a:r>
+              <a:rPr sz="1800" dirty="0"/>
+              <a:t>1. </a:t>
+            </a:r>
+            <a:r>
               <a:rPr lang="en-US" sz="1800" dirty="0"/>
-              <a:t> </a:t>
-            </a:r>
+              <a:t>Use model predictions to flag high-risk Terry Stops for internal review, especially where subject race and officer characteristics intersect.</a:t>
+            </a:r>
+          </a:p>
+          <a:p>
+            <a:pPr>
+              <a:lnSpc>
+                <a:spcPct val="100000"/>
+              </a:lnSpc>
+            </a:pPr>
             <a:r>
               <a:rPr sz="1800" dirty="0"/>
-              <a:t>Fairness Checks: Run disparity and bias diagnostics.</a:t>
+              <a:t>2. </a:t>
+            </a:r>
+            <a:r>
+              <a:rPr lang="en-US" sz="1800" dirty="0"/>
+              <a:t>Train officers to better assess ‘reasonable suspicion’ based on features the model finds less predictive, like “Final Call Type” or “Sector.”</a:t>
             </a:r>
           </a:p>
           <a:p>
             <a:pPr>
-              <a:buFont typeface="Wingdings" panose="05000000000000000000" pitchFamily="2" charset="2"/>
-              <a:buChar char="Ø"/>
+              <a:lnSpc>
+                <a:spcPct val="100000"/>
+              </a:lnSpc>
             </a:pPr>
             <a:r>
+              <a:rPr sz="1800" dirty="0"/>
+              <a:t>3. Engage communities using data-driven transparency.</a:t>
+            </a:r>
+            <a:r>
               <a:rPr lang="en-US" sz="1800" dirty="0"/>
-              <a:t> </a:t>
-            </a:r>
-            <a:r>
-              <a:rPr sz="1800" dirty="0"/>
-              <a:t>Interpretability: Apply SHAP </a:t>
-            </a:r>
-            <a:r>
-              <a:rPr lang="en-US" sz="1800" dirty="0"/>
-              <a:t>partial Dependence Plots, or Feature Interaction Visuals to confidently say which combinations of features most influence arrests in the </a:t>
-            </a:r>
-            <a:r>
-              <a:rPr sz="1800" dirty="0"/>
-              <a:t>Random Forest</a:t>
-            </a:r>
-            <a:r>
-              <a:rPr lang="en-US" sz="1800" dirty="0"/>
-              <a:t> model</a:t>
+              <a:t> Deploy the model in supervisory dashboards to monitor arrest likelihoods in real time and intervene when thresholds are exceeded.</a:t>
             </a:r>
             <a:endParaRPr sz="1800" dirty="0"/>
-          </a:p>
-          <a:p>
-            <a:pPr>
-              <a:buFont typeface="Wingdings" panose="05000000000000000000" pitchFamily="2" charset="2"/>
-              <a:buChar char="Ø"/>
-            </a:pPr>
-            <a:r>
-              <a:rPr lang="en-US" sz="1800" dirty="0"/>
-              <a:t> </a:t>
-            </a:r>
-            <a:r>
-              <a:rPr sz="1800" dirty="0"/>
-              <a:t>Feature Expansion: Add officer–subject interaction terms, time-based effects.</a:t>
-            </a:r>
-          </a:p>
-          <a:p>
-            <a:pPr>
-              <a:buFont typeface="Wingdings" panose="05000000000000000000" pitchFamily="2" charset="2"/>
-              <a:buChar char="Ø"/>
-            </a:pPr>
-            <a:r>
-              <a:rPr lang="en-US" sz="1800" dirty="0"/>
-              <a:t> </a:t>
-            </a:r>
-            <a:r>
-              <a:rPr sz="1800" dirty="0"/>
-              <a:t>Pilot Deployment: Start with internal audit before scaling to field use.</a:t>
-            </a:r>
           </a:p>
         </p:txBody>
       </p:sp>
@@ -5053,6 +5153,151 @@
       </p:grpSpPr>
       <p:sp>
         <p:nvSpPr>
+          <p:cNvPr id="2" name="Title 1"/>
+          <p:cNvSpPr>
+            <a:spLocks noGrp="1"/>
+          </p:cNvSpPr>
+          <p:nvPr>
+            <p:ph type="title"/>
+          </p:nvPr>
+        </p:nvSpPr>
+        <p:spPr>
+          <a:xfrm>
+            <a:off x="703385" y="764373"/>
+            <a:ext cx="7846255" cy="861227"/>
+          </a:xfrm>
+        </p:spPr>
+        <p:txBody>
+          <a:bodyPr/>
+          <a:lstStyle/>
+          <a:p>
+            <a:pPr algn="ctr"/>
+            <a:r>
+              <a:rPr b="1" dirty="0"/>
+              <a:t>Next Steps</a:t>
+            </a:r>
+          </a:p>
+        </p:txBody>
+      </p:sp>
+      <p:sp>
+        <p:nvSpPr>
+          <p:cNvPr id="3" name="Content Placeholder 2"/>
+          <p:cNvSpPr>
+            <a:spLocks noGrp="1"/>
+          </p:cNvSpPr>
+          <p:nvPr>
+            <p:ph idx="1"/>
+          </p:nvPr>
+        </p:nvSpPr>
+        <p:spPr>
+          <a:xfrm>
+            <a:off x="822959" y="2092476"/>
+            <a:ext cx="7543801" cy="3225111"/>
+          </a:xfrm>
+        </p:spPr>
+        <p:txBody>
+          <a:bodyPr>
+            <a:normAutofit/>
+          </a:bodyPr>
+          <a:lstStyle/>
+          <a:p>
+            <a:pPr>
+              <a:buFont typeface="Wingdings" panose="05000000000000000000" pitchFamily="2" charset="2"/>
+              <a:buChar char="Ø"/>
+            </a:pPr>
+            <a:r>
+              <a:rPr lang="en-US" sz="1800" dirty="0"/>
+              <a:t> </a:t>
+            </a:r>
+            <a:r>
+              <a:rPr sz="1800" dirty="0"/>
+              <a:t>Fairness Checks: Run disparity and bias diagnostics.</a:t>
+            </a:r>
+          </a:p>
+          <a:p>
+            <a:pPr>
+              <a:buFont typeface="Wingdings" panose="05000000000000000000" pitchFamily="2" charset="2"/>
+              <a:buChar char="Ø"/>
+            </a:pPr>
+            <a:r>
+              <a:rPr lang="en-US" sz="1800" dirty="0"/>
+              <a:t> </a:t>
+            </a:r>
+            <a:r>
+              <a:rPr sz="1800" dirty="0"/>
+              <a:t>Interpretability: Apply SHAP </a:t>
+            </a:r>
+            <a:r>
+              <a:rPr lang="en-US" sz="1800" dirty="0"/>
+              <a:t>partial Dependence Plots, or Feature Interaction Visuals to confidently say which combinations of features most influence arrests in the </a:t>
+            </a:r>
+            <a:r>
+              <a:rPr sz="1800" dirty="0"/>
+              <a:t>Random Forest</a:t>
+            </a:r>
+            <a:r>
+              <a:rPr lang="en-US" sz="1800" dirty="0"/>
+              <a:t> model</a:t>
+            </a:r>
+            <a:endParaRPr sz="1800" dirty="0"/>
+          </a:p>
+          <a:p>
+            <a:pPr>
+              <a:buFont typeface="Wingdings" panose="05000000000000000000" pitchFamily="2" charset="2"/>
+              <a:buChar char="Ø"/>
+            </a:pPr>
+            <a:r>
+              <a:rPr lang="en-US" sz="1800" dirty="0"/>
+              <a:t> </a:t>
+            </a:r>
+            <a:r>
+              <a:rPr sz="1800" dirty="0"/>
+              <a:t>Feature Expansion: Add officer–subject interaction terms, time-based effects.</a:t>
+            </a:r>
+          </a:p>
+          <a:p>
+            <a:pPr>
+              <a:buFont typeface="Wingdings" panose="05000000000000000000" pitchFamily="2" charset="2"/>
+              <a:buChar char="Ø"/>
+            </a:pPr>
+            <a:r>
+              <a:rPr lang="en-US" sz="1800" dirty="0"/>
+              <a:t> </a:t>
+            </a:r>
+            <a:r>
+              <a:rPr sz="1800" dirty="0"/>
+              <a:t>Pilot Deployment: Start with internal audit before scaling to field use.</a:t>
+            </a:r>
+          </a:p>
+        </p:txBody>
+      </p:sp>
+    </p:spTree>
+  </p:cSld>
+  <p:clrMapOvr>
+    <a:masterClrMapping/>
+  </p:clrMapOvr>
+</p:sld>
+</file>
+
+<file path=ppt/slides/slide16.xml><?xml version="1.0" encoding="utf-8"?>
+<p:sld xmlns:a="http://schemas.openxmlformats.org/drawingml/2006/main" xmlns:r="http://schemas.openxmlformats.org/officeDocument/2006/relationships" xmlns:p="http://schemas.openxmlformats.org/presentationml/2006/main">
+  <p:cSld>
+    <p:spTree>
+      <p:nvGrpSpPr>
+        <p:cNvPr id="1" name=""/>
+        <p:cNvGrpSpPr/>
+        <p:nvPr/>
+      </p:nvGrpSpPr>
+      <p:grpSpPr>
+        <a:xfrm>
+          <a:off x="0" y="0"/>
+          <a:ext cx="0" cy="0"/>
+          <a:chOff x="0" y="0"/>
+          <a:chExt cx="0" cy="0"/>
+        </a:xfrm>
+      </p:grpSpPr>
+      <p:sp>
+        <p:nvSpPr>
           <p:cNvPr id="2" name="Title 1">
             <a:extLst>
               <a:ext uri="{FF2B5EF4-FFF2-40B4-BE49-F238E27FC236}">
@@ -5198,7 +5443,7 @@
 </p:sld>
 </file>
 
-<file path=ppt/slides/slide16.xml><?xml version="1.0" encoding="utf-8"?>
+<file path=ppt/slides/slide17.xml><?xml version="1.0" encoding="utf-8"?>
 <p:sld xmlns:a="http://schemas.openxmlformats.org/drawingml/2006/main" xmlns:r="http://schemas.openxmlformats.org/officeDocument/2006/relationships" xmlns:p="http://schemas.openxmlformats.org/presentationml/2006/main">
   <p:cSld>
     <p:spTree>
